--- a/1 - 버프와 디버프.pptx
+++ b/1 - 버프와 디버프.pptx
@@ -34,15 +34,15 @@
   <p:notesSz cx="6858000" cy="9144000"/>
   <p:embeddedFontLst>
     <p:embeddedFont>
-      <p:font typeface="나눔스퀘어OTF Bold" panose="020B0600000101010101" pitchFamily="34" charset="-127"/>
-      <p:bold r:id="rId26"/>
+      <p:font typeface="Consolas" panose="020B0609020204030204" pitchFamily="49" charset="0"/>
+      <p:regular r:id="rId26"/>
+      <p:bold r:id="rId27"/>
+      <p:italic r:id="rId28"/>
+      <p:boldItalic r:id="rId29"/>
     </p:embeddedFont>
     <p:embeddedFont>
-      <p:font typeface="Consolas" panose="020B0609020204030204" pitchFamily="49" charset="0"/>
-      <p:regular r:id="rId27"/>
-      <p:bold r:id="rId28"/>
-      <p:italic r:id="rId29"/>
-      <p:boldItalic r:id="rId30"/>
+      <p:font typeface="나눔스퀘어OTF Bold" panose="020B0600000101010101" pitchFamily="34" charset="-127"/>
+      <p:bold r:id="rId30"/>
     </p:embeddedFont>
     <p:embeddedFont>
       <p:font typeface="나눔스퀘어OTF Light" panose="020B0600000101010101" pitchFamily="34" charset="-127"/>
@@ -304,7 +304,7 @@
           <a:p>
             <a:fld id="{3BAD717E-5B48-41D6-98B3-DB23E84BF0BC}" type="datetimeFigureOut">
               <a:rPr lang="ko-KR" altLang="en-US" smtClean="0"/>
-              <a:t>2021-12-26</a:t>
+              <a:t>2021-12-28</a:t>
             </a:fld>
             <a:endParaRPr lang="ko-KR" altLang="en-US"/>
           </a:p>
@@ -502,7 +502,7 @@
           <a:p>
             <a:fld id="{3BAD717E-5B48-41D6-98B3-DB23E84BF0BC}" type="datetimeFigureOut">
               <a:rPr lang="ko-KR" altLang="en-US" smtClean="0"/>
-              <a:t>2021-12-26</a:t>
+              <a:t>2021-12-28</a:t>
             </a:fld>
             <a:endParaRPr lang="ko-KR" altLang="en-US"/>
           </a:p>
@@ -710,7 +710,7 @@
           <a:p>
             <a:fld id="{3BAD717E-5B48-41D6-98B3-DB23E84BF0BC}" type="datetimeFigureOut">
               <a:rPr lang="ko-KR" altLang="en-US" smtClean="0"/>
-              <a:t>2021-12-26</a:t>
+              <a:t>2021-12-28</a:t>
             </a:fld>
             <a:endParaRPr lang="ko-KR" altLang="en-US"/>
           </a:p>
@@ -908,7 +908,7 @@
           <a:p>
             <a:fld id="{3BAD717E-5B48-41D6-98B3-DB23E84BF0BC}" type="datetimeFigureOut">
               <a:rPr lang="ko-KR" altLang="en-US" smtClean="0"/>
-              <a:t>2021-12-26</a:t>
+              <a:t>2021-12-28</a:t>
             </a:fld>
             <a:endParaRPr lang="ko-KR" altLang="en-US"/>
           </a:p>
@@ -1183,7 +1183,7 @@
           <a:p>
             <a:fld id="{3BAD717E-5B48-41D6-98B3-DB23E84BF0BC}" type="datetimeFigureOut">
               <a:rPr lang="ko-KR" altLang="en-US" smtClean="0"/>
-              <a:t>2021-12-26</a:t>
+              <a:t>2021-12-28</a:t>
             </a:fld>
             <a:endParaRPr lang="ko-KR" altLang="en-US"/>
           </a:p>
@@ -1448,7 +1448,7 @@
           <a:p>
             <a:fld id="{3BAD717E-5B48-41D6-98B3-DB23E84BF0BC}" type="datetimeFigureOut">
               <a:rPr lang="ko-KR" altLang="en-US" smtClean="0"/>
-              <a:t>2021-12-26</a:t>
+              <a:t>2021-12-28</a:t>
             </a:fld>
             <a:endParaRPr lang="ko-KR" altLang="en-US"/>
           </a:p>
@@ -1860,7 +1860,7 @@
           <a:p>
             <a:fld id="{3BAD717E-5B48-41D6-98B3-DB23E84BF0BC}" type="datetimeFigureOut">
               <a:rPr lang="ko-KR" altLang="en-US" smtClean="0"/>
-              <a:t>2021-12-26</a:t>
+              <a:t>2021-12-28</a:t>
             </a:fld>
             <a:endParaRPr lang="ko-KR" altLang="en-US"/>
           </a:p>
@@ -2001,7 +2001,7 @@
           <a:p>
             <a:fld id="{3BAD717E-5B48-41D6-98B3-DB23E84BF0BC}" type="datetimeFigureOut">
               <a:rPr lang="ko-KR" altLang="en-US" smtClean="0"/>
-              <a:t>2021-12-26</a:t>
+              <a:t>2021-12-28</a:t>
             </a:fld>
             <a:endParaRPr lang="ko-KR" altLang="en-US"/>
           </a:p>
@@ -2114,7 +2114,7 @@
           <a:p>
             <a:fld id="{3BAD717E-5B48-41D6-98B3-DB23E84BF0BC}" type="datetimeFigureOut">
               <a:rPr lang="ko-KR" altLang="en-US" smtClean="0"/>
-              <a:t>2021-12-26</a:t>
+              <a:t>2021-12-28</a:t>
             </a:fld>
             <a:endParaRPr lang="ko-KR" altLang="en-US"/>
           </a:p>
@@ -2425,7 +2425,7 @@
           <a:p>
             <a:fld id="{3BAD717E-5B48-41D6-98B3-DB23E84BF0BC}" type="datetimeFigureOut">
               <a:rPr lang="ko-KR" altLang="en-US" smtClean="0"/>
-              <a:t>2021-12-26</a:t>
+              <a:t>2021-12-28</a:t>
             </a:fld>
             <a:endParaRPr lang="ko-KR" altLang="en-US"/>
           </a:p>
@@ -2713,7 +2713,7 @@
           <a:p>
             <a:fld id="{3BAD717E-5B48-41D6-98B3-DB23E84BF0BC}" type="datetimeFigureOut">
               <a:rPr lang="ko-KR" altLang="en-US" smtClean="0"/>
-              <a:t>2021-12-26</a:t>
+              <a:t>2021-12-28</a:t>
             </a:fld>
             <a:endParaRPr lang="ko-KR" altLang="en-US"/>
           </a:p>
@@ -2954,7 +2954,7 @@
           <a:p>
             <a:fld id="{3BAD717E-5B48-41D6-98B3-DB23E84BF0BC}" type="datetimeFigureOut">
               <a:rPr lang="ko-KR" altLang="en-US" smtClean="0"/>
-              <a:t>2021-12-26</a:t>
+              <a:t>2021-12-28</a:t>
             </a:fld>
             <a:endParaRPr lang="ko-KR" altLang="en-US"/>
           </a:p>
